--- a/ACT_Trees_R.pptx
+++ b/ACT_Trees_R.pptx
@@ -200,7 +200,7 @@
           <a:p>
             <a:fld id="{73D9CA8A-419E-9A43-B492-4A1F1F504D8C}" type="datetimeFigureOut">
               <a:rPr lang="en-US" smtClean="0"/>
-              <a:t>12/2/18</a:t>
+              <a:t>1/8/19</a:t>
             </a:fld>
             <a:endParaRPr lang="en-US"/>
           </a:p>
@@ -264,38 +264,37 @@
           <a:p>
             <a:pPr lvl="0"/>
             <a:r>
-              <a:rPr lang="en-US" smtClean="0"/>
+              <a:rPr lang="en-US"/>
               <a:t>Click to edit Master text styles</a:t>
             </a:r>
           </a:p>
           <a:p>
             <a:pPr lvl="1"/>
             <a:r>
-              <a:rPr lang="en-US" smtClean="0"/>
+              <a:rPr lang="en-US"/>
               <a:t>Second level</a:t>
             </a:r>
           </a:p>
           <a:p>
             <a:pPr lvl="2"/>
             <a:r>
-              <a:rPr lang="en-US" smtClean="0"/>
+              <a:rPr lang="en-US"/>
               <a:t>Third level</a:t>
             </a:r>
           </a:p>
           <a:p>
             <a:pPr lvl="3"/>
             <a:r>
-              <a:rPr lang="en-US" smtClean="0"/>
+              <a:rPr lang="en-US"/>
               <a:t>Fourth level</a:t>
             </a:r>
           </a:p>
           <a:p>
             <a:pPr lvl="4"/>
             <a:r>
-              <a:rPr lang="en-US" smtClean="0"/>
+              <a:rPr lang="en-US"/>
               <a:t>Fifth level</a:t>
             </a:r>
-            <a:endParaRPr lang="en-US"/>
           </a:p>
         </p:txBody>
       </p:sp>
@@ -510,10 +509,9 @@
           </a:lstStyle>
           <a:p>
             <a:r>
-              <a:rPr lang="en-US" smtClean="0"/>
+              <a:rPr lang="en-US"/>
               <a:t>Click to edit Master title style</a:t>
             </a:r>
-            <a:endParaRPr lang="en-US"/>
           </a:p>
         </p:txBody>
       </p:sp>
@@ -575,10 +573,9 @@
           </a:lstStyle>
           <a:p>
             <a:r>
-              <a:rPr lang="en-US" smtClean="0"/>
+              <a:rPr lang="en-US"/>
               <a:t>Click to edit Master subtitle style</a:t>
             </a:r>
-            <a:endParaRPr lang="en-US"/>
           </a:p>
         </p:txBody>
       </p:sp>
@@ -599,7 +596,7 @@
           <a:p>
             <a:fld id="{ED403868-2EE1-A841-A12D-7AFA0CFD76E1}" type="datetimeFigureOut">
               <a:rPr lang="en-US" smtClean="0"/>
-              <a:t>12/2/18</a:t>
+              <a:t>1/8/19</a:t>
             </a:fld>
             <a:endParaRPr lang="en-US"/>
           </a:p>
@@ -693,10 +690,9 @@
           <a:lstStyle/>
           <a:p>
             <a:r>
-              <a:rPr lang="en-US" smtClean="0"/>
+              <a:rPr lang="en-US"/>
               <a:t>Click to edit Master title style</a:t>
             </a:r>
-            <a:endParaRPr lang="en-US"/>
           </a:p>
         </p:txBody>
       </p:sp>
@@ -717,38 +713,37 @@
           <a:p>
             <a:pPr lvl="0"/>
             <a:r>
-              <a:rPr lang="en-US" smtClean="0"/>
+              <a:rPr lang="en-US"/>
               <a:t>Click to edit Master text styles</a:t>
             </a:r>
           </a:p>
           <a:p>
             <a:pPr lvl="1"/>
             <a:r>
-              <a:rPr lang="en-US" smtClean="0"/>
+              <a:rPr lang="en-US"/>
               <a:t>Second level</a:t>
             </a:r>
           </a:p>
           <a:p>
             <a:pPr lvl="2"/>
             <a:r>
-              <a:rPr lang="en-US" smtClean="0"/>
+              <a:rPr lang="en-US"/>
               <a:t>Third level</a:t>
             </a:r>
           </a:p>
           <a:p>
             <a:pPr lvl="3"/>
             <a:r>
-              <a:rPr lang="en-US" smtClean="0"/>
+              <a:rPr lang="en-US"/>
               <a:t>Fourth level</a:t>
             </a:r>
           </a:p>
           <a:p>
             <a:pPr lvl="4"/>
             <a:r>
-              <a:rPr lang="en-US" smtClean="0"/>
+              <a:rPr lang="en-US"/>
               <a:t>Fifth level</a:t>
             </a:r>
-            <a:endParaRPr lang="en-US"/>
           </a:p>
         </p:txBody>
       </p:sp>
@@ -769,7 +764,7 @@
           <a:p>
             <a:fld id="{ED403868-2EE1-A841-A12D-7AFA0CFD76E1}" type="datetimeFigureOut">
               <a:rPr lang="en-US" smtClean="0"/>
-              <a:t>12/2/18</a:t>
+              <a:t>1/8/19</a:t>
             </a:fld>
             <a:endParaRPr lang="en-US"/>
           </a:p>
@@ -868,10 +863,9 @@
           <a:lstStyle/>
           <a:p>
             <a:r>
-              <a:rPr lang="en-US" smtClean="0"/>
+              <a:rPr lang="en-US"/>
               <a:t>Click to edit Master title style</a:t>
             </a:r>
-            <a:endParaRPr lang="en-US"/>
           </a:p>
         </p:txBody>
       </p:sp>
@@ -897,38 +891,37 @@
           <a:p>
             <a:pPr lvl="0"/>
             <a:r>
-              <a:rPr lang="en-US" smtClean="0"/>
+              <a:rPr lang="en-US"/>
               <a:t>Click to edit Master text styles</a:t>
             </a:r>
           </a:p>
           <a:p>
             <a:pPr lvl="1"/>
             <a:r>
-              <a:rPr lang="en-US" smtClean="0"/>
+              <a:rPr lang="en-US"/>
               <a:t>Second level</a:t>
             </a:r>
           </a:p>
           <a:p>
             <a:pPr lvl="2"/>
             <a:r>
-              <a:rPr lang="en-US" smtClean="0"/>
+              <a:rPr lang="en-US"/>
               <a:t>Third level</a:t>
             </a:r>
           </a:p>
           <a:p>
             <a:pPr lvl="3"/>
             <a:r>
-              <a:rPr lang="en-US" smtClean="0"/>
+              <a:rPr lang="en-US"/>
               <a:t>Fourth level</a:t>
             </a:r>
           </a:p>
           <a:p>
             <a:pPr lvl="4"/>
             <a:r>
-              <a:rPr lang="en-US" smtClean="0"/>
+              <a:rPr lang="en-US"/>
               <a:t>Fifth level</a:t>
             </a:r>
-            <a:endParaRPr lang="en-US"/>
           </a:p>
         </p:txBody>
       </p:sp>
@@ -949,7 +942,7 @@
           <a:p>
             <a:fld id="{ED403868-2EE1-A841-A12D-7AFA0CFD76E1}" type="datetimeFigureOut">
               <a:rPr lang="en-US" smtClean="0"/>
-              <a:t>12/2/18</a:t>
+              <a:t>1/8/19</a:t>
             </a:fld>
             <a:endParaRPr lang="en-US"/>
           </a:p>
@@ -1043,10 +1036,9 @@
           <a:lstStyle/>
           <a:p>
             <a:r>
-              <a:rPr lang="en-US" smtClean="0"/>
+              <a:rPr lang="en-US"/>
               <a:t>Click to edit Master title style</a:t>
             </a:r>
-            <a:endParaRPr lang="en-US"/>
           </a:p>
         </p:txBody>
       </p:sp>
@@ -1067,38 +1059,37 @@
           <a:p>
             <a:pPr lvl="0"/>
             <a:r>
-              <a:rPr lang="en-US" smtClean="0"/>
+              <a:rPr lang="en-US"/>
               <a:t>Click to edit Master text styles</a:t>
             </a:r>
           </a:p>
           <a:p>
             <a:pPr lvl="1"/>
             <a:r>
-              <a:rPr lang="en-US" smtClean="0"/>
+              <a:rPr lang="en-US"/>
               <a:t>Second level</a:t>
             </a:r>
           </a:p>
           <a:p>
             <a:pPr lvl="2"/>
             <a:r>
-              <a:rPr lang="en-US" smtClean="0"/>
+              <a:rPr lang="en-US"/>
               <a:t>Third level</a:t>
             </a:r>
           </a:p>
           <a:p>
             <a:pPr lvl="3"/>
             <a:r>
-              <a:rPr lang="en-US" smtClean="0"/>
+              <a:rPr lang="en-US"/>
               <a:t>Fourth level</a:t>
             </a:r>
           </a:p>
           <a:p>
             <a:pPr lvl="4"/>
             <a:r>
-              <a:rPr lang="en-US" smtClean="0"/>
+              <a:rPr lang="en-US"/>
               <a:t>Fifth level</a:t>
             </a:r>
-            <a:endParaRPr lang="en-US"/>
           </a:p>
         </p:txBody>
       </p:sp>
@@ -1119,7 +1110,7 @@
           <a:p>
             <a:fld id="{ED403868-2EE1-A841-A12D-7AFA0CFD76E1}" type="datetimeFigureOut">
               <a:rPr lang="en-US" smtClean="0"/>
-              <a:t>12/2/18</a:t>
+              <a:t>1/8/19</a:t>
             </a:fld>
             <a:endParaRPr lang="en-US"/>
           </a:p>
@@ -1222,10 +1213,9 @@
           </a:lstStyle>
           <a:p>
             <a:r>
-              <a:rPr lang="en-US" smtClean="0"/>
+              <a:rPr lang="en-US"/>
               <a:t>Click to edit Master title style</a:t>
             </a:r>
-            <a:endParaRPr lang="en-US"/>
           </a:p>
         </p:txBody>
       </p:sp>
@@ -1342,7 +1332,7 @@
           <a:p>
             <a:pPr lvl="0"/>
             <a:r>
-              <a:rPr lang="en-US" smtClean="0"/>
+              <a:rPr lang="en-US"/>
               <a:t>Click to edit Master text styles</a:t>
             </a:r>
           </a:p>
@@ -1365,7 +1355,7 @@
           <a:p>
             <a:fld id="{ED403868-2EE1-A841-A12D-7AFA0CFD76E1}" type="datetimeFigureOut">
               <a:rPr lang="en-US" smtClean="0"/>
-              <a:t>12/2/18</a:t>
+              <a:t>1/8/19</a:t>
             </a:fld>
             <a:endParaRPr lang="en-US"/>
           </a:p>
@@ -1459,10 +1449,9 @@
           <a:lstStyle/>
           <a:p>
             <a:r>
-              <a:rPr lang="en-US" smtClean="0"/>
+              <a:rPr lang="en-US"/>
               <a:t>Click to edit Master title style</a:t>
             </a:r>
-            <a:endParaRPr lang="en-US"/>
           </a:p>
         </p:txBody>
       </p:sp>
@@ -1488,38 +1477,37 @@
           <a:p>
             <a:pPr lvl="0"/>
             <a:r>
-              <a:rPr lang="en-US" smtClean="0"/>
+              <a:rPr lang="en-US"/>
               <a:t>Click to edit Master text styles</a:t>
             </a:r>
           </a:p>
           <a:p>
             <a:pPr lvl="1"/>
             <a:r>
-              <a:rPr lang="en-US" smtClean="0"/>
+              <a:rPr lang="en-US"/>
               <a:t>Second level</a:t>
             </a:r>
           </a:p>
           <a:p>
             <a:pPr lvl="2"/>
             <a:r>
-              <a:rPr lang="en-US" smtClean="0"/>
+              <a:rPr lang="en-US"/>
               <a:t>Third level</a:t>
             </a:r>
           </a:p>
           <a:p>
             <a:pPr lvl="3"/>
             <a:r>
-              <a:rPr lang="en-US" smtClean="0"/>
+              <a:rPr lang="en-US"/>
               <a:t>Fourth level</a:t>
             </a:r>
           </a:p>
           <a:p>
             <a:pPr lvl="4"/>
             <a:r>
-              <a:rPr lang="en-US" smtClean="0"/>
+              <a:rPr lang="en-US"/>
               <a:t>Fifth level</a:t>
             </a:r>
-            <a:endParaRPr lang="en-US"/>
           </a:p>
         </p:txBody>
       </p:sp>
@@ -1545,38 +1533,37 @@
           <a:p>
             <a:pPr lvl="0"/>
             <a:r>
-              <a:rPr lang="en-US" smtClean="0"/>
+              <a:rPr lang="en-US"/>
               <a:t>Click to edit Master text styles</a:t>
             </a:r>
           </a:p>
           <a:p>
             <a:pPr lvl="1"/>
             <a:r>
-              <a:rPr lang="en-US" smtClean="0"/>
+              <a:rPr lang="en-US"/>
               <a:t>Second level</a:t>
             </a:r>
           </a:p>
           <a:p>
             <a:pPr lvl="2"/>
             <a:r>
-              <a:rPr lang="en-US" smtClean="0"/>
+              <a:rPr lang="en-US"/>
               <a:t>Third level</a:t>
             </a:r>
           </a:p>
           <a:p>
             <a:pPr lvl="3"/>
             <a:r>
-              <a:rPr lang="en-US" smtClean="0"/>
+              <a:rPr lang="en-US"/>
               <a:t>Fourth level</a:t>
             </a:r>
           </a:p>
           <a:p>
             <a:pPr lvl="4"/>
             <a:r>
-              <a:rPr lang="en-US" smtClean="0"/>
+              <a:rPr lang="en-US"/>
               <a:t>Fifth level</a:t>
             </a:r>
-            <a:endParaRPr lang="en-US"/>
           </a:p>
         </p:txBody>
       </p:sp>
@@ -1597,7 +1584,7 @@
           <a:p>
             <a:fld id="{ED403868-2EE1-A841-A12D-7AFA0CFD76E1}" type="datetimeFigureOut">
               <a:rPr lang="en-US" smtClean="0"/>
-              <a:t>12/2/18</a:t>
+              <a:t>1/8/19</a:t>
             </a:fld>
             <a:endParaRPr lang="en-US"/>
           </a:p>
@@ -1696,10 +1683,9 @@
           <a:lstStyle/>
           <a:p>
             <a:r>
-              <a:rPr lang="en-US" smtClean="0"/>
+              <a:rPr lang="en-US"/>
               <a:t>Click to edit Master title style</a:t>
             </a:r>
-            <a:endParaRPr lang="en-US"/>
           </a:p>
         </p:txBody>
       </p:sp>
@@ -1762,7 +1748,7 @@
           <a:p>
             <a:pPr lvl="0"/>
             <a:r>
-              <a:rPr lang="en-US" smtClean="0"/>
+              <a:rPr lang="en-US"/>
               <a:t>Click to edit Master text styles</a:t>
             </a:r>
           </a:p>
@@ -1790,38 +1776,37 @@
           <a:p>
             <a:pPr lvl="0"/>
             <a:r>
-              <a:rPr lang="en-US" smtClean="0"/>
+              <a:rPr lang="en-US"/>
               <a:t>Click to edit Master text styles</a:t>
             </a:r>
           </a:p>
           <a:p>
             <a:pPr lvl="1"/>
             <a:r>
-              <a:rPr lang="en-US" smtClean="0"/>
+              <a:rPr lang="en-US"/>
               <a:t>Second level</a:t>
             </a:r>
           </a:p>
           <a:p>
             <a:pPr lvl="2"/>
             <a:r>
-              <a:rPr lang="en-US" smtClean="0"/>
+              <a:rPr lang="en-US"/>
               <a:t>Third level</a:t>
             </a:r>
           </a:p>
           <a:p>
             <a:pPr lvl="3"/>
             <a:r>
-              <a:rPr lang="en-US" smtClean="0"/>
+              <a:rPr lang="en-US"/>
               <a:t>Fourth level</a:t>
             </a:r>
           </a:p>
           <a:p>
             <a:pPr lvl="4"/>
             <a:r>
-              <a:rPr lang="en-US" smtClean="0"/>
+              <a:rPr lang="en-US"/>
               <a:t>Fifth level</a:t>
             </a:r>
-            <a:endParaRPr lang="en-US"/>
           </a:p>
         </p:txBody>
       </p:sp>
@@ -1884,7 +1869,7 @@
           <a:p>
             <a:pPr lvl="0"/>
             <a:r>
-              <a:rPr lang="en-US" smtClean="0"/>
+              <a:rPr lang="en-US"/>
               <a:t>Click to edit Master text styles</a:t>
             </a:r>
           </a:p>
@@ -1912,38 +1897,37 @@
           <a:p>
             <a:pPr lvl="0"/>
             <a:r>
-              <a:rPr lang="en-US" smtClean="0"/>
+              <a:rPr lang="en-US"/>
               <a:t>Click to edit Master text styles</a:t>
             </a:r>
           </a:p>
           <a:p>
             <a:pPr lvl="1"/>
             <a:r>
-              <a:rPr lang="en-US" smtClean="0"/>
+              <a:rPr lang="en-US"/>
               <a:t>Second level</a:t>
             </a:r>
           </a:p>
           <a:p>
             <a:pPr lvl="2"/>
             <a:r>
-              <a:rPr lang="en-US" smtClean="0"/>
+              <a:rPr lang="en-US"/>
               <a:t>Third level</a:t>
             </a:r>
           </a:p>
           <a:p>
             <a:pPr lvl="3"/>
             <a:r>
-              <a:rPr lang="en-US" smtClean="0"/>
+              <a:rPr lang="en-US"/>
               <a:t>Fourth level</a:t>
             </a:r>
           </a:p>
           <a:p>
             <a:pPr lvl="4"/>
             <a:r>
-              <a:rPr lang="en-US" smtClean="0"/>
+              <a:rPr lang="en-US"/>
               <a:t>Fifth level</a:t>
             </a:r>
-            <a:endParaRPr lang="en-US"/>
           </a:p>
         </p:txBody>
       </p:sp>
@@ -1964,7 +1948,7 @@
           <a:p>
             <a:fld id="{ED403868-2EE1-A841-A12D-7AFA0CFD76E1}" type="datetimeFigureOut">
               <a:rPr lang="en-US" smtClean="0"/>
-              <a:t>12/2/18</a:t>
+              <a:t>1/8/19</a:t>
             </a:fld>
             <a:endParaRPr lang="en-US"/>
           </a:p>
@@ -2058,10 +2042,9 @@
           <a:lstStyle/>
           <a:p>
             <a:r>
-              <a:rPr lang="en-US" smtClean="0"/>
+              <a:rPr lang="en-US"/>
               <a:t>Click to edit Master title style</a:t>
             </a:r>
-            <a:endParaRPr lang="en-US"/>
           </a:p>
         </p:txBody>
       </p:sp>
@@ -2082,7 +2065,7 @@
           <a:p>
             <a:fld id="{ED403868-2EE1-A841-A12D-7AFA0CFD76E1}" type="datetimeFigureOut">
               <a:rPr lang="en-US" smtClean="0"/>
-              <a:t>12/2/18</a:t>
+              <a:t>1/8/19</a:t>
             </a:fld>
             <a:endParaRPr lang="en-US"/>
           </a:p>
@@ -2177,7 +2160,7 @@
           <a:p>
             <a:fld id="{ED403868-2EE1-A841-A12D-7AFA0CFD76E1}" type="datetimeFigureOut">
               <a:rPr lang="en-US" smtClean="0"/>
-              <a:t>12/2/18</a:t>
+              <a:t>1/8/19</a:t>
             </a:fld>
             <a:endParaRPr lang="en-US"/>
           </a:p>
@@ -2280,10 +2263,9 @@
           </a:lstStyle>
           <a:p>
             <a:r>
-              <a:rPr lang="en-US" smtClean="0"/>
+              <a:rPr lang="en-US"/>
               <a:t>Click to edit Master title style</a:t>
             </a:r>
-            <a:endParaRPr lang="en-US"/>
           </a:p>
         </p:txBody>
       </p:sp>
@@ -2337,38 +2319,37 @@
           <a:p>
             <a:pPr lvl="0"/>
             <a:r>
-              <a:rPr lang="en-US" smtClean="0"/>
+              <a:rPr lang="en-US"/>
               <a:t>Click to edit Master text styles</a:t>
             </a:r>
           </a:p>
           <a:p>
             <a:pPr lvl="1"/>
             <a:r>
-              <a:rPr lang="en-US" smtClean="0"/>
+              <a:rPr lang="en-US"/>
               <a:t>Second level</a:t>
             </a:r>
           </a:p>
           <a:p>
             <a:pPr lvl="2"/>
             <a:r>
-              <a:rPr lang="en-US" smtClean="0"/>
+              <a:rPr lang="en-US"/>
               <a:t>Third level</a:t>
             </a:r>
           </a:p>
           <a:p>
             <a:pPr lvl="3"/>
             <a:r>
-              <a:rPr lang="en-US" smtClean="0"/>
+              <a:rPr lang="en-US"/>
               <a:t>Fourth level</a:t>
             </a:r>
           </a:p>
           <a:p>
             <a:pPr lvl="4"/>
             <a:r>
-              <a:rPr lang="en-US" smtClean="0"/>
+              <a:rPr lang="en-US"/>
               <a:t>Fifth level</a:t>
             </a:r>
-            <a:endParaRPr lang="en-US"/>
           </a:p>
         </p:txBody>
       </p:sp>
@@ -2431,7 +2412,7 @@
           <a:p>
             <a:pPr lvl="0"/>
             <a:r>
-              <a:rPr lang="en-US" smtClean="0"/>
+              <a:rPr lang="en-US"/>
               <a:t>Click to edit Master text styles</a:t>
             </a:r>
           </a:p>
@@ -2454,7 +2435,7 @@
           <a:p>
             <a:fld id="{ED403868-2EE1-A841-A12D-7AFA0CFD76E1}" type="datetimeFigureOut">
               <a:rPr lang="en-US" smtClean="0"/>
-              <a:t>12/2/18</a:t>
+              <a:t>1/8/19</a:t>
             </a:fld>
             <a:endParaRPr lang="en-US"/>
           </a:p>
@@ -2557,10 +2538,9 @@
           </a:lstStyle>
           <a:p>
             <a:r>
-              <a:rPr lang="en-US" smtClean="0"/>
+              <a:rPr lang="en-US"/>
               <a:t>Click to edit Master title style</a:t>
             </a:r>
-            <a:endParaRPr lang="en-US"/>
           </a:p>
         </p:txBody>
       </p:sp>
@@ -2684,7 +2664,7 @@
           <a:p>
             <a:pPr lvl="0"/>
             <a:r>
-              <a:rPr lang="en-US" smtClean="0"/>
+              <a:rPr lang="en-US"/>
               <a:t>Click to edit Master text styles</a:t>
             </a:r>
           </a:p>
@@ -2707,7 +2687,7 @@
           <a:p>
             <a:fld id="{ED403868-2EE1-A841-A12D-7AFA0CFD76E1}" type="datetimeFigureOut">
               <a:rPr lang="en-US" smtClean="0"/>
-              <a:t>12/2/18</a:t>
+              <a:t>1/8/19</a:t>
             </a:fld>
             <a:endParaRPr lang="en-US"/>
           </a:p>
@@ -2816,10 +2796,9 @@
           <a:lstStyle/>
           <a:p>
             <a:r>
-              <a:rPr lang="en-US" smtClean="0"/>
+              <a:rPr lang="en-US"/>
               <a:t>Click to edit Master title style</a:t>
             </a:r>
-            <a:endParaRPr lang="en-US"/>
           </a:p>
         </p:txBody>
       </p:sp>
@@ -2850,38 +2829,37 @@
           <a:p>
             <a:pPr lvl="0"/>
             <a:r>
-              <a:rPr lang="en-US" smtClean="0"/>
+              <a:rPr lang="en-US"/>
               <a:t>Click to edit Master text styles</a:t>
             </a:r>
           </a:p>
           <a:p>
             <a:pPr lvl="1"/>
             <a:r>
-              <a:rPr lang="en-US" smtClean="0"/>
+              <a:rPr lang="en-US"/>
               <a:t>Second level</a:t>
             </a:r>
           </a:p>
           <a:p>
             <a:pPr lvl="2"/>
             <a:r>
-              <a:rPr lang="en-US" smtClean="0"/>
+              <a:rPr lang="en-US"/>
               <a:t>Third level</a:t>
             </a:r>
           </a:p>
           <a:p>
             <a:pPr lvl="3"/>
             <a:r>
-              <a:rPr lang="en-US" smtClean="0"/>
+              <a:rPr lang="en-US"/>
               <a:t>Fourth level</a:t>
             </a:r>
           </a:p>
           <a:p>
             <a:pPr lvl="4"/>
             <a:r>
-              <a:rPr lang="en-US" smtClean="0"/>
+              <a:rPr lang="en-US"/>
               <a:t>Fifth level</a:t>
             </a:r>
-            <a:endParaRPr lang="en-US"/>
           </a:p>
         </p:txBody>
       </p:sp>
@@ -2920,7 +2898,7 @@
           <a:p>
             <a:fld id="{ED403868-2EE1-A841-A12D-7AFA0CFD76E1}" type="datetimeFigureOut">
               <a:rPr lang="en-US" smtClean="0"/>
-              <a:t>12/2/18</a:t>
+              <a:t>1/8/19</a:t>
             </a:fld>
             <a:endParaRPr lang="en-US"/>
           </a:p>
@@ -3360,7 +3338,7 @@
           <p:cNvPr id="2" name="TextBox 1">
             <a:extLst>
               <a:ext uri="{FF2B5EF4-FFF2-40B4-BE49-F238E27FC236}">
-                <a16:creationId xmlns:a16="http://schemas.microsoft.com/office/drawing/2014/main" xmlns="" id="{F2D3BEE1-D8DC-4C44-9B4B-AD1BE3D5456D}"/>
+                <a16:creationId xmlns:a16="http://schemas.microsoft.com/office/drawing/2014/main" id="{F2D3BEE1-D8DC-4C44-9B4B-AD1BE3D5456D}"/>
               </a:ext>
             </a:extLst>
           </p:cNvPr>
@@ -3370,7 +3348,7 @@
         <p:spPr>
           <a:xfrm>
             <a:off x="99391" y="89453"/>
-            <a:ext cx="5288179" cy="369332"/>
+            <a:ext cx="5287794" cy="923330"/>
           </a:xfrm>
           <a:prstGeom prst="rect">
             <a:avLst/>
@@ -3384,12 +3362,20 @@
           <a:lstStyle/>
           <a:p>
             <a:r>
-              <a:rPr lang="en-US" dirty="0" smtClean="0"/>
-              <a:t>Reading—Extra </a:t>
-            </a:r>
-            <a:r>
               <a:rPr lang="en-US" dirty="0"/>
-              <a:t>time students excluded-larger samples</a:t>
+              <a:t>Reading—Extra time students excluded-larger samples</a:t>
+            </a:r>
+          </a:p>
+          <a:p>
+            <a:r>
+              <a:rPr lang="en-US" dirty="0"/>
+              <a:t>n = 265</a:t>
+            </a:r>
+          </a:p>
+          <a:p>
+            <a:r>
+              <a:rPr lang="en-US" dirty="0"/>
+              <a:t>11/28/18</a:t>
             </a:r>
           </a:p>
         </p:txBody>
@@ -3402,8 +3388,8 @@
         </p:nvSpPr>
         <p:spPr>
           <a:xfrm>
-            <a:off x="1116833" y="5801371"/>
-            <a:ext cx="1175322" cy="954107"/>
+            <a:off x="1189449" y="5801371"/>
+            <a:ext cx="1030090" cy="523220"/>
           </a:xfrm>
           <a:prstGeom prst="rect">
             <a:avLst/>
@@ -3418,43 +3404,20 @@
           <a:p>
             <a:pPr algn="ctr"/>
             <a:r>
-              <a:rPr lang="en-US" sz="1400" dirty="0" err="1" smtClean="0"/>
+              <a:rPr lang="en-US" sz="1400" dirty="0" err="1"/>
               <a:t>Avg</a:t>
             </a:r>
             <a:r>
-              <a:rPr lang="en-US" sz="1400" dirty="0" smtClean="0"/>
+              <a:rPr lang="en-US" sz="1400" dirty="0"/>
               <a:t> = 16.23</a:t>
             </a:r>
           </a:p>
           <a:p>
             <a:pPr algn="ctr"/>
             <a:r>
-              <a:rPr lang="en-US" sz="1400" dirty="0" smtClean="0"/>
+              <a:rPr lang="en-US" sz="1400" dirty="0"/>
               <a:t>SD = 3.98</a:t>
             </a:r>
-          </a:p>
-          <a:p>
-            <a:pPr algn="ctr"/>
-            <a:r>
-              <a:rPr lang="en-US" sz="1400" dirty="0" smtClean="0"/>
-              <a:t>95% CI = </a:t>
-            </a:r>
-          </a:p>
-          <a:p>
-            <a:pPr algn="ctr"/>
-            <a:r>
-              <a:rPr lang="en-CA" sz="1400" dirty="0" smtClean="0"/>
-              <a:t>14.57 </a:t>
-            </a:r>
-            <a:r>
-              <a:rPr lang="mr-IN" sz="1400" dirty="0" smtClean="0"/>
-              <a:t>–</a:t>
-            </a:r>
-            <a:r>
-              <a:rPr lang="en-CA" sz="1400" dirty="0" smtClean="0"/>
-              <a:t> 17.89</a:t>
-            </a:r>
-            <a:endParaRPr lang="en-US" sz="1400" dirty="0"/>
           </a:p>
         </p:txBody>
       </p:sp>
@@ -3466,8 +3429,8 @@
         </p:nvSpPr>
         <p:spPr>
           <a:xfrm>
-            <a:off x="2901587" y="5801371"/>
-            <a:ext cx="1083950" cy="954107"/>
+            <a:off x="2928517" y="5801371"/>
+            <a:ext cx="1030089" cy="738664"/>
           </a:xfrm>
           <a:prstGeom prst="rect">
             <a:avLst/>
@@ -3482,42 +3445,23 @@
           <a:p>
             <a:pPr algn="ctr"/>
             <a:r>
-              <a:rPr lang="en-US" sz="1400" dirty="0" err="1" smtClean="0"/>
+              <a:rPr lang="en-US" sz="1400" dirty="0" err="1"/>
               <a:t>Avg</a:t>
             </a:r>
             <a:r>
-              <a:rPr lang="en-US" sz="1400" dirty="0" smtClean="0"/>
+              <a:rPr lang="en-US" sz="1400" dirty="0"/>
               <a:t> = 22.27</a:t>
             </a:r>
           </a:p>
           <a:p>
             <a:pPr algn="ctr"/>
             <a:r>
-              <a:rPr lang="en-US" sz="1400" dirty="0" smtClean="0"/>
+              <a:rPr lang="en-US" sz="1400" dirty="0"/>
               <a:t>SD = 3.75</a:t>
             </a:r>
           </a:p>
           <a:p>
             <a:pPr algn="ctr"/>
-            <a:r>
-              <a:rPr lang="en-US" sz="1400" dirty="0" smtClean="0"/>
-              <a:t>95% CI = </a:t>
-            </a:r>
-          </a:p>
-          <a:p>
-            <a:pPr algn="ctr"/>
-            <a:r>
-              <a:rPr lang="en-CA" sz="1400" dirty="0" smtClean="0"/>
-              <a:t>21.44 </a:t>
-            </a:r>
-            <a:r>
-              <a:rPr lang="mr-IN" sz="1400" dirty="0" smtClean="0"/>
-              <a:t>–</a:t>
-            </a:r>
-            <a:r>
-              <a:rPr lang="en-CA" sz="1400" dirty="0" smtClean="0"/>
-              <a:t> 23.1</a:t>
-            </a:r>
             <a:endParaRPr lang="en-US" sz="1400" dirty="0"/>
           </a:p>
         </p:txBody>
@@ -3530,8 +3474,8 @@
         </p:nvSpPr>
         <p:spPr>
           <a:xfrm>
-            <a:off x="4594969" y="5801371"/>
-            <a:ext cx="1175322" cy="954107"/>
+            <a:off x="4667585" y="5801371"/>
+            <a:ext cx="1030090" cy="738664"/>
           </a:xfrm>
           <a:prstGeom prst="rect">
             <a:avLst/>
@@ -3546,42 +3490,23 @@
           <a:p>
             <a:pPr algn="ctr"/>
             <a:r>
-              <a:rPr lang="en-US" sz="1400" dirty="0" err="1" smtClean="0"/>
+              <a:rPr lang="en-US" sz="1400" dirty="0" err="1"/>
               <a:t>Avg</a:t>
             </a:r>
             <a:r>
-              <a:rPr lang="en-US" sz="1400" dirty="0" smtClean="0"/>
+              <a:rPr lang="en-US" sz="1400" dirty="0"/>
               <a:t> = 21.98</a:t>
             </a:r>
           </a:p>
           <a:p>
             <a:pPr algn="ctr"/>
             <a:r>
-              <a:rPr lang="en-US" sz="1400" dirty="0" smtClean="0"/>
+              <a:rPr lang="en-US" sz="1400" dirty="0"/>
               <a:t>SD = 4.28</a:t>
             </a:r>
           </a:p>
           <a:p>
             <a:pPr algn="ctr"/>
-            <a:r>
-              <a:rPr lang="en-US" sz="1400" dirty="0" smtClean="0"/>
-              <a:t>95% CI = </a:t>
-            </a:r>
-          </a:p>
-          <a:p>
-            <a:pPr algn="ctr"/>
-            <a:r>
-              <a:rPr lang="en-CA" sz="1400" dirty="0" smtClean="0"/>
-              <a:t>20.85 </a:t>
-            </a:r>
-            <a:r>
-              <a:rPr lang="mr-IN" sz="1400" dirty="0" smtClean="0"/>
-              <a:t>–</a:t>
-            </a:r>
-            <a:r>
-              <a:rPr lang="en-CA" sz="1400" dirty="0" smtClean="0"/>
-              <a:t> 23.11</a:t>
-            </a:r>
             <a:endParaRPr lang="en-US" sz="1400" dirty="0"/>
           </a:p>
         </p:txBody>
@@ -3594,8 +3519,8 @@
         </p:nvSpPr>
         <p:spPr>
           <a:xfrm>
-            <a:off x="6190268" y="5801371"/>
-            <a:ext cx="1140056" cy="954107"/>
+            <a:off x="6245251" y="5801371"/>
+            <a:ext cx="1030090" cy="523220"/>
           </a:xfrm>
           <a:prstGeom prst="rect">
             <a:avLst/>
@@ -3610,35 +3535,20 @@
           <a:p>
             <a:pPr algn="ctr"/>
             <a:r>
-              <a:rPr lang="en-US" sz="1400" dirty="0" err="1" smtClean="0"/>
+              <a:rPr lang="en-US" sz="1400" dirty="0" err="1"/>
               <a:t>Avg</a:t>
             </a:r>
             <a:r>
-              <a:rPr lang="en-US" sz="1400" dirty="0" smtClean="0"/>
+              <a:rPr lang="en-US" sz="1400" dirty="0"/>
               <a:t> = 24.89</a:t>
             </a:r>
           </a:p>
           <a:p>
             <a:pPr algn="ctr"/>
             <a:r>
-              <a:rPr lang="en-US" sz="1400" dirty="0" smtClean="0"/>
+              <a:rPr lang="en-US" sz="1400" dirty="0"/>
               <a:t>SD = 4.04</a:t>
             </a:r>
-          </a:p>
-          <a:p>
-            <a:pPr algn="ctr"/>
-            <a:r>
-              <a:rPr lang="en-US" sz="1400" dirty="0" smtClean="0"/>
-              <a:t>95% CI = </a:t>
-            </a:r>
-          </a:p>
-          <a:p>
-            <a:pPr algn="ctr"/>
-            <a:r>
-              <a:rPr lang="en-CA" sz="1400" dirty="0" smtClean="0"/>
-              <a:t>23.94 - 25.83</a:t>
-            </a:r>
-            <a:endParaRPr lang="en-US" sz="1400" dirty="0"/>
           </a:p>
         </p:txBody>
       </p:sp>
@@ -3721,8 +3631,8 @@
         </p:nvSpPr>
         <p:spPr>
           <a:xfrm>
-            <a:off x="8355910" y="4066231"/>
-            <a:ext cx="1083951" cy="954107"/>
+            <a:off x="8382841" y="4066231"/>
+            <a:ext cx="1030089" cy="523220"/>
           </a:xfrm>
           <a:prstGeom prst="rect">
             <a:avLst/>
@@ -3737,43 +3647,20 @@
           <a:p>
             <a:pPr algn="ctr"/>
             <a:r>
-              <a:rPr lang="en-US" sz="1400" dirty="0" err="1" smtClean="0"/>
+              <a:rPr lang="en-US" sz="1400" dirty="0" err="1"/>
               <a:t>Avg</a:t>
             </a:r>
             <a:r>
-              <a:rPr lang="en-US" sz="1400" dirty="0" smtClean="0"/>
+              <a:rPr lang="en-US" sz="1400" dirty="0"/>
               <a:t> = 29.60</a:t>
             </a:r>
           </a:p>
           <a:p>
             <a:pPr algn="ctr"/>
             <a:r>
-              <a:rPr lang="en-US" sz="1400" dirty="0" smtClean="0"/>
+              <a:rPr lang="en-US" sz="1400" dirty="0"/>
               <a:t>SD = 4.16</a:t>
             </a:r>
-          </a:p>
-          <a:p>
-            <a:pPr algn="ctr"/>
-            <a:r>
-              <a:rPr lang="en-US" sz="1400" dirty="0" smtClean="0"/>
-              <a:t>95% CI = </a:t>
-            </a:r>
-          </a:p>
-          <a:p>
-            <a:pPr algn="ctr"/>
-            <a:r>
-              <a:rPr lang="en-CA" sz="1400" dirty="0" smtClean="0"/>
-              <a:t>24.9 </a:t>
-            </a:r>
-            <a:r>
-              <a:rPr lang="mr-IN" sz="1400" dirty="0" smtClean="0"/>
-              <a:t>–</a:t>
-            </a:r>
-            <a:r>
-              <a:rPr lang="en-CA" sz="1400" dirty="0" smtClean="0"/>
-              <a:t> 34.31</a:t>
-            </a:r>
-            <a:endParaRPr lang="en-US" sz="1400" dirty="0"/>
           </a:p>
         </p:txBody>
       </p:sp>
@@ -3842,7 +3729,7 @@
           <p:cNvPr id="4" name="TextBox 3">
             <a:extLst>
               <a:ext uri="{FF2B5EF4-FFF2-40B4-BE49-F238E27FC236}">
-                <a16:creationId xmlns:a16="http://schemas.microsoft.com/office/drawing/2014/main" xmlns="" id="{F2D3BEE1-D8DC-4C44-9B4B-AD1BE3D5456D}"/>
+                <a16:creationId xmlns:a16="http://schemas.microsoft.com/office/drawing/2014/main" id="{F2D3BEE1-D8DC-4C44-9B4B-AD1BE3D5456D}"/>
               </a:ext>
             </a:extLst>
           </p:cNvPr>
@@ -3880,8 +3767,8 @@
         </p:nvSpPr>
         <p:spPr>
           <a:xfrm>
-            <a:off x="4837477" y="5657851"/>
-            <a:ext cx="1457450" cy="1200329"/>
+            <a:off x="4930964" y="5657851"/>
+            <a:ext cx="1270476" cy="646331"/>
           </a:xfrm>
           <a:prstGeom prst="rect">
             <a:avLst/>
@@ -3896,43 +3783,20 @@
           <a:p>
             <a:pPr algn="ctr"/>
             <a:r>
-              <a:rPr lang="en-US" dirty="0" err="1" smtClean="0"/>
+              <a:rPr lang="en-US" dirty="0" err="1"/>
               <a:t>Avg</a:t>
             </a:r>
             <a:r>
-              <a:rPr lang="en-US" dirty="0" smtClean="0"/>
+              <a:rPr lang="en-US" dirty="0"/>
               <a:t> = 18.54</a:t>
             </a:r>
           </a:p>
           <a:p>
             <a:pPr algn="ctr"/>
             <a:r>
-              <a:rPr lang="en-US" dirty="0" smtClean="0"/>
+              <a:rPr lang="en-US" dirty="0"/>
               <a:t>SD = 3.95</a:t>
             </a:r>
-          </a:p>
-          <a:p>
-            <a:pPr algn="ctr"/>
-            <a:r>
-              <a:rPr lang="en-US" dirty="0" smtClean="0"/>
-              <a:t>95% CI = </a:t>
-            </a:r>
-          </a:p>
-          <a:p>
-            <a:pPr algn="ctr"/>
-            <a:r>
-              <a:rPr lang="en-US" dirty="0" smtClean="0"/>
-              <a:t>16.96 </a:t>
-            </a:r>
-            <a:r>
-              <a:rPr lang="mr-IN" dirty="0" smtClean="0"/>
-              <a:t>–</a:t>
-            </a:r>
-            <a:r>
-              <a:rPr lang="en-US" dirty="0" smtClean="0"/>
-              <a:t> 20.12</a:t>
-            </a:r>
-            <a:endParaRPr lang="en-US" dirty="0"/>
           </a:p>
         </p:txBody>
       </p:sp>
@@ -3944,8 +3808,8 @@
         </p:nvSpPr>
         <p:spPr>
           <a:xfrm>
-            <a:off x="7149330" y="5657851"/>
-            <a:ext cx="1457450" cy="1200329"/>
+            <a:off x="7242817" y="5657851"/>
+            <a:ext cx="1270476" cy="923330"/>
           </a:xfrm>
           <a:prstGeom prst="rect">
             <a:avLst/>
@@ -3960,42 +3824,23 @@
           <a:p>
             <a:pPr algn="ctr"/>
             <a:r>
-              <a:rPr lang="en-US" dirty="0" err="1" smtClean="0"/>
+              <a:rPr lang="en-US" dirty="0" err="1"/>
               <a:t>Avg</a:t>
             </a:r>
             <a:r>
-              <a:rPr lang="en-US" dirty="0" smtClean="0"/>
+              <a:rPr lang="en-US" dirty="0"/>
               <a:t> = 23.12</a:t>
             </a:r>
           </a:p>
           <a:p>
             <a:pPr algn="ctr"/>
             <a:r>
-              <a:rPr lang="en-US" dirty="0" smtClean="0"/>
+              <a:rPr lang="en-US" dirty="0"/>
               <a:t>SD = 4.60</a:t>
             </a:r>
           </a:p>
           <a:p>
             <a:pPr algn="ctr"/>
-            <a:r>
-              <a:rPr lang="en-US" dirty="0" smtClean="0"/>
-              <a:t>95% CI = </a:t>
-            </a:r>
-          </a:p>
-          <a:p>
-            <a:pPr algn="ctr"/>
-            <a:r>
-              <a:rPr lang="en-CA" dirty="0" smtClean="0"/>
-              <a:t>22.50 </a:t>
-            </a:r>
-            <a:r>
-              <a:rPr lang="mr-IN" dirty="0" smtClean="0"/>
-              <a:t>–</a:t>
-            </a:r>
-            <a:r>
-              <a:rPr lang="en-CA" dirty="0" smtClean="0"/>
-              <a:t> 23.74</a:t>
-            </a:r>
             <a:endParaRPr lang="en-US" dirty="0"/>
           </a:p>
         </p:txBody>
@@ -4008,8 +3853,8 @@
         </p:nvSpPr>
         <p:spPr>
           <a:xfrm>
-            <a:off x="9512712" y="5657851"/>
-            <a:ext cx="1457450" cy="1200329"/>
+            <a:off x="9606199" y="5657851"/>
+            <a:ext cx="1270476" cy="646331"/>
           </a:xfrm>
           <a:prstGeom prst="rect">
             <a:avLst/>
@@ -4024,43 +3869,20 @@
           <a:p>
             <a:pPr algn="ctr"/>
             <a:r>
-              <a:rPr lang="en-US" dirty="0" err="1" smtClean="0"/>
+              <a:rPr lang="en-US" dirty="0" err="1"/>
               <a:t>Avg</a:t>
             </a:r>
             <a:r>
-              <a:rPr lang="en-US" dirty="0" smtClean="0"/>
+              <a:rPr lang="en-US" dirty="0"/>
               <a:t> = 30.41</a:t>
             </a:r>
           </a:p>
           <a:p>
             <a:pPr algn="ctr"/>
             <a:r>
-              <a:rPr lang="en-US" dirty="0" smtClean="0"/>
+              <a:rPr lang="en-US" dirty="0"/>
               <a:t>SD = 5.09</a:t>
             </a:r>
-          </a:p>
-          <a:p>
-            <a:pPr algn="ctr"/>
-            <a:r>
-              <a:rPr lang="en-US" dirty="0" smtClean="0"/>
-              <a:t>95% CI = </a:t>
-            </a:r>
-          </a:p>
-          <a:p>
-            <a:pPr algn="ctr"/>
-            <a:r>
-              <a:rPr lang="en-CA" dirty="0" smtClean="0"/>
-              <a:t>28.56 </a:t>
-            </a:r>
-            <a:r>
-              <a:rPr lang="mr-IN" dirty="0" smtClean="0"/>
-              <a:t>–</a:t>
-            </a:r>
-            <a:r>
-              <a:rPr lang="en-CA" dirty="0" smtClean="0"/>
-              <a:t> 32.27</a:t>
-            </a:r>
-            <a:endParaRPr lang="en-US" dirty="0"/>
           </a:p>
         </p:txBody>
       </p:sp>
@@ -4129,7 +3951,7 @@
           <p:cNvPr id="2" name="TextBox 1">
             <a:extLst>
               <a:ext uri="{FF2B5EF4-FFF2-40B4-BE49-F238E27FC236}">
-                <a16:creationId xmlns:a16="http://schemas.microsoft.com/office/drawing/2014/main" xmlns="" id="{F2D3BEE1-D8DC-4C44-9B4B-AD1BE3D5456D}"/>
+                <a16:creationId xmlns:a16="http://schemas.microsoft.com/office/drawing/2014/main" id="{F2D3BEE1-D8DC-4C44-9B4B-AD1BE3D5456D}"/>
               </a:ext>
             </a:extLst>
           </p:cNvPr>
@@ -4153,12 +3975,8 @@
           <a:lstStyle/>
           <a:p>
             <a:r>
-              <a:rPr lang="en-US" dirty="0" smtClean="0"/>
-              <a:t>Math—Extra </a:t>
-            </a:r>
-            <a:r>
               <a:rPr lang="en-US" dirty="0"/>
-              <a:t>time students excluded-larger samples</a:t>
+              <a:t>Math—Extra time students excluded-larger samples</a:t>
             </a:r>
           </a:p>
         </p:txBody>
@@ -4171,8 +3989,8 @@
         </p:nvSpPr>
         <p:spPr>
           <a:xfrm>
-            <a:off x="4104423" y="5619262"/>
-            <a:ext cx="1175323" cy="954107"/>
+            <a:off x="4177039" y="5619262"/>
+            <a:ext cx="1030090" cy="738664"/>
           </a:xfrm>
           <a:prstGeom prst="rect">
             <a:avLst/>
@@ -4187,42 +4005,23 @@
           <a:p>
             <a:pPr algn="ctr"/>
             <a:r>
-              <a:rPr lang="en-US" sz="1400" dirty="0" err="1" smtClean="0"/>
+              <a:rPr lang="en-US" sz="1400" dirty="0" err="1"/>
               <a:t>Avg</a:t>
             </a:r>
             <a:r>
-              <a:rPr lang="en-US" sz="1400" dirty="0" smtClean="0"/>
+              <a:rPr lang="en-US" sz="1400" dirty="0"/>
               <a:t> = 21.07</a:t>
             </a:r>
           </a:p>
           <a:p>
             <a:pPr algn="ctr"/>
             <a:r>
-              <a:rPr lang="en-US" sz="1400" dirty="0" smtClean="0"/>
+              <a:rPr lang="en-US" sz="1400" dirty="0"/>
               <a:t>SD = 4.18</a:t>
             </a:r>
           </a:p>
           <a:p>
             <a:pPr algn="ctr"/>
-            <a:r>
-              <a:rPr lang="en-US" sz="1400" dirty="0" smtClean="0"/>
-              <a:t>95% CI = </a:t>
-            </a:r>
-          </a:p>
-          <a:p>
-            <a:pPr algn="ctr"/>
-            <a:r>
-              <a:rPr lang="en-CA" sz="1400" dirty="0" smtClean="0"/>
-              <a:t>19.57 </a:t>
-            </a:r>
-            <a:r>
-              <a:rPr lang="mr-IN" sz="1400" dirty="0" smtClean="0"/>
-              <a:t>–</a:t>
-            </a:r>
-            <a:r>
-              <a:rPr lang="en-CA" sz="1400" dirty="0" smtClean="0"/>
-              <a:t> 22.56</a:t>
-            </a:r>
             <a:endParaRPr lang="en-US" sz="1400" dirty="0"/>
           </a:p>
         </p:txBody>
@@ -4235,8 +4034,8 @@
         </p:nvSpPr>
         <p:spPr>
           <a:xfrm>
-            <a:off x="2355943" y="5619262"/>
-            <a:ext cx="1175323" cy="954107"/>
+            <a:off x="2428559" y="5619262"/>
+            <a:ext cx="1030090" cy="738664"/>
           </a:xfrm>
           <a:prstGeom prst="rect">
             <a:avLst/>
@@ -4251,42 +4050,23 @@
           <a:p>
             <a:pPr algn="ctr"/>
             <a:r>
-              <a:rPr lang="en-US" sz="1400" dirty="0" err="1" smtClean="0"/>
+              <a:rPr lang="en-US" sz="1400" dirty="0" err="1"/>
               <a:t>Avg</a:t>
             </a:r>
             <a:r>
-              <a:rPr lang="en-US" sz="1400" dirty="0" smtClean="0"/>
+              <a:rPr lang="en-US" sz="1400" dirty="0"/>
               <a:t> = 21.92</a:t>
             </a:r>
           </a:p>
           <a:p>
             <a:pPr algn="ctr"/>
             <a:r>
-              <a:rPr lang="en-US" sz="1400" dirty="0" smtClean="0"/>
+              <a:rPr lang="en-US" sz="1400" dirty="0"/>
               <a:t>SD = 4.17</a:t>
             </a:r>
           </a:p>
           <a:p>
             <a:pPr algn="ctr"/>
-            <a:r>
-              <a:rPr lang="en-US" sz="1400" dirty="0" smtClean="0"/>
-              <a:t>95% CI = </a:t>
-            </a:r>
-          </a:p>
-          <a:p>
-            <a:pPr algn="ctr"/>
-            <a:r>
-              <a:rPr lang="en-CA" sz="1400" dirty="0" smtClean="0"/>
-              <a:t>20.25 </a:t>
-            </a:r>
-            <a:r>
-              <a:rPr lang="mr-IN" sz="1400" dirty="0" smtClean="0"/>
-              <a:t>–</a:t>
-            </a:r>
-            <a:r>
-              <a:rPr lang="en-CA" sz="1400" dirty="0" smtClean="0"/>
-              <a:t> 23.58</a:t>
-            </a:r>
             <a:endParaRPr lang="en-US" sz="1400" dirty="0"/>
           </a:p>
         </p:txBody>
@@ -4299,8 +4079,8 @@
         </p:nvSpPr>
         <p:spPr>
           <a:xfrm>
-            <a:off x="642729" y="5619262"/>
-            <a:ext cx="1140057" cy="954107"/>
+            <a:off x="697712" y="5619262"/>
+            <a:ext cx="1030090" cy="523220"/>
           </a:xfrm>
           <a:prstGeom prst="rect">
             <a:avLst/>
@@ -4315,35 +4095,20 @@
           <a:p>
             <a:pPr algn="ctr"/>
             <a:r>
-              <a:rPr lang="en-US" sz="1400" dirty="0" err="1" smtClean="0"/>
+              <a:rPr lang="en-US" sz="1400" dirty="0" err="1"/>
               <a:t>Avg</a:t>
             </a:r>
             <a:r>
-              <a:rPr lang="en-US" sz="1400" dirty="0" smtClean="0"/>
+              <a:rPr lang="en-US" sz="1400" dirty="0"/>
               <a:t> = 19.17</a:t>
             </a:r>
           </a:p>
           <a:p>
             <a:pPr algn="ctr"/>
             <a:r>
-              <a:rPr lang="en-US" sz="1400" dirty="0" smtClean="0"/>
+              <a:rPr lang="en-US" sz="1400" dirty="0"/>
               <a:t>SD = 2.74</a:t>
             </a:r>
-          </a:p>
-          <a:p>
-            <a:pPr algn="ctr"/>
-            <a:r>
-              <a:rPr lang="en-US" sz="1400" dirty="0" smtClean="0"/>
-              <a:t>95% CI = </a:t>
-            </a:r>
-          </a:p>
-          <a:p>
-            <a:pPr algn="ctr"/>
-            <a:r>
-              <a:rPr lang="en-CA" sz="1400" dirty="0" smtClean="0"/>
-              <a:t>18.33 - 20.00</a:t>
-            </a:r>
-            <a:endParaRPr lang="en-US" sz="1400" dirty="0"/>
           </a:p>
         </p:txBody>
       </p:sp>
@@ -4355,8 +4120,8 @@
         </p:nvSpPr>
         <p:spPr>
           <a:xfrm>
-            <a:off x="5852903" y="5619262"/>
-            <a:ext cx="1175323" cy="954107"/>
+            <a:off x="5925519" y="5619262"/>
+            <a:ext cx="1030090" cy="523220"/>
           </a:xfrm>
           <a:prstGeom prst="rect">
             <a:avLst/>
@@ -4371,43 +4136,20 @@
           <a:p>
             <a:pPr algn="ctr"/>
             <a:r>
-              <a:rPr lang="en-US" sz="1400" dirty="0" err="1" smtClean="0"/>
+              <a:rPr lang="en-US" sz="1400" dirty="0" err="1"/>
               <a:t>Avg</a:t>
             </a:r>
             <a:r>
-              <a:rPr lang="en-US" sz="1400" dirty="0" smtClean="0"/>
+              <a:rPr lang="en-US" sz="1400" dirty="0"/>
               <a:t> = 24.20</a:t>
             </a:r>
           </a:p>
           <a:p>
             <a:pPr algn="ctr"/>
             <a:r>
-              <a:rPr lang="en-US" sz="1400" dirty="0" smtClean="0"/>
+              <a:rPr lang="en-US" sz="1400" dirty="0"/>
               <a:t>SD = 3.33</a:t>
             </a:r>
-          </a:p>
-          <a:p>
-            <a:pPr algn="ctr"/>
-            <a:r>
-              <a:rPr lang="en-US" sz="1400" dirty="0" smtClean="0"/>
-              <a:t>95% CI = </a:t>
-            </a:r>
-          </a:p>
-          <a:p>
-            <a:pPr algn="ctr"/>
-            <a:r>
-              <a:rPr lang="en-CA" sz="1400" dirty="0" smtClean="0"/>
-              <a:t>23.44 </a:t>
-            </a:r>
-            <a:r>
-              <a:rPr lang="mr-IN" sz="1400" dirty="0" smtClean="0"/>
-              <a:t>–</a:t>
-            </a:r>
-            <a:r>
-              <a:rPr lang="en-CA" sz="1400" dirty="0" smtClean="0"/>
-              <a:t> 24.98</a:t>
-            </a:r>
-            <a:endParaRPr lang="en-US" sz="1400" dirty="0"/>
           </a:p>
         </p:txBody>
       </p:sp>
@@ -4419,8 +4161,8 @@
         </p:nvSpPr>
         <p:spPr>
           <a:xfrm>
-            <a:off x="7601383" y="5619262"/>
-            <a:ext cx="1030347" cy="954107"/>
+            <a:off x="7601511" y="5619262"/>
+            <a:ext cx="1030090" cy="523220"/>
           </a:xfrm>
           <a:prstGeom prst="rect">
             <a:avLst/>
@@ -4435,43 +4177,20 @@
           <a:p>
             <a:pPr algn="ctr"/>
             <a:r>
-              <a:rPr lang="en-US" sz="1400" dirty="0" err="1" smtClean="0"/>
+              <a:rPr lang="en-US" sz="1400" dirty="0" err="1"/>
               <a:t>Avg</a:t>
             </a:r>
             <a:r>
-              <a:rPr lang="en-US" sz="1400" dirty="0" smtClean="0"/>
+              <a:rPr lang="en-US" sz="1400" dirty="0"/>
               <a:t> = 23.24</a:t>
             </a:r>
           </a:p>
           <a:p>
             <a:pPr algn="ctr"/>
             <a:r>
-              <a:rPr lang="en-US" sz="1400" dirty="0" smtClean="0"/>
+              <a:rPr lang="en-US" sz="1400" dirty="0"/>
               <a:t>SD = 4.06</a:t>
             </a:r>
-          </a:p>
-          <a:p>
-            <a:pPr algn="ctr"/>
-            <a:r>
-              <a:rPr lang="en-US" sz="1400" dirty="0" smtClean="0"/>
-              <a:t>95% CI = </a:t>
-            </a:r>
-          </a:p>
-          <a:p>
-            <a:pPr algn="ctr"/>
-            <a:r>
-              <a:rPr lang="en-CA" sz="1400" dirty="0" smtClean="0"/>
-              <a:t>22 </a:t>
-            </a:r>
-            <a:r>
-              <a:rPr lang="mr-IN" sz="1400" dirty="0" smtClean="0"/>
-              <a:t>–</a:t>
-            </a:r>
-            <a:r>
-              <a:rPr lang="en-CA" sz="1400" dirty="0" smtClean="0"/>
-              <a:t> 24.49</a:t>
-            </a:r>
-            <a:endParaRPr lang="en-US" sz="1400" dirty="0"/>
           </a:p>
         </p:txBody>
       </p:sp>
@@ -4483,8 +4202,8 @@
         </p:nvSpPr>
         <p:spPr>
           <a:xfrm>
-            <a:off x="9204887" y="5619262"/>
-            <a:ext cx="1175323" cy="954107"/>
+            <a:off x="9277503" y="5619262"/>
+            <a:ext cx="1030090" cy="738664"/>
           </a:xfrm>
           <a:prstGeom prst="rect">
             <a:avLst/>
@@ -4499,42 +4218,23 @@
           <a:p>
             <a:pPr algn="ctr"/>
             <a:r>
-              <a:rPr lang="en-US" sz="1400" dirty="0" err="1" smtClean="0"/>
+              <a:rPr lang="en-US" sz="1400" dirty="0" err="1"/>
               <a:t>Avg</a:t>
             </a:r>
             <a:r>
-              <a:rPr lang="en-US" sz="1400" dirty="0" smtClean="0"/>
+              <a:rPr lang="en-US" sz="1400" dirty="0"/>
               <a:t> = 25.00</a:t>
             </a:r>
           </a:p>
           <a:p>
             <a:pPr algn="ctr"/>
             <a:r>
-              <a:rPr lang="en-US" sz="1400" dirty="0" smtClean="0"/>
+              <a:rPr lang="en-US" sz="1400" dirty="0"/>
               <a:t>SD = 4.83</a:t>
             </a:r>
           </a:p>
           <a:p>
             <a:pPr algn="ctr"/>
-            <a:r>
-              <a:rPr lang="en-US" sz="1400" dirty="0" smtClean="0"/>
-              <a:t>95% CI = </a:t>
-            </a:r>
-          </a:p>
-          <a:p>
-            <a:pPr algn="ctr"/>
-            <a:r>
-              <a:rPr lang="en-CA" sz="1400" dirty="0" smtClean="0"/>
-              <a:t>22.98 </a:t>
-            </a:r>
-            <a:r>
-              <a:rPr lang="mr-IN" sz="1400" dirty="0" smtClean="0"/>
-              <a:t>–</a:t>
-            </a:r>
-            <a:r>
-              <a:rPr lang="en-CA" sz="1400" dirty="0" smtClean="0"/>
-              <a:t> 27.02</a:t>
-            </a:r>
             <a:endParaRPr lang="en-US" sz="1400" dirty="0"/>
           </a:p>
         </p:txBody>
@@ -4547,8 +4247,8 @@
         </p:nvSpPr>
         <p:spPr>
           <a:xfrm>
-            <a:off x="10953366" y="5619262"/>
-            <a:ext cx="1175323" cy="954107"/>
+            <a:off x="11025982" y="5619262"/>
+            <a:ext cx="1030090" cy="523220"/>
           </a:xfrm>
           <a:prstGeom prst="rect">
             <a:avLst/>
@@ -4563,43 +4263,20 @@
           <a:p>
             <a:pPr algn="ctr"/>
             <a:r>
-              <a:rPr lang="en-US" sz="1400" dirty="0" err="1" smtClean="0"/>
+              <a:rPr lang="en-US" sz="1400" dirty="0" err="1"/>
               <a:t>Avg</a:t>
             </a:r>
             <a:r>
-              <a:rPr lang="en-US" sz="1400" dirty="0" smtClean="0"/>
+              <a:rPr lang="en-US" sz="1400" dirty="0"/>
               <a:t> = 28.91</a:t>
             </a:r>
           </a:p>
           <a:p>
             <a:pPr algn="ctr"/>
             <a:r>
-              <a:rPr lang="en-US" sz="1400" dirty="0" smtClean="0"/>
+              <a:rPr lang="en-US" sz="1400" dirty="0"/>
               <a:t>SD = 3.32</a:t>
             </a:r>
-          </a:p>
-          <a:p>
-            <a:pPr algn="ctr"/>
-            <a:r>
-              <a:rPr lang="en-US" sz="1400" dirty="0" smtClean="0"/>
-              <a:t>95% CI = </a:t>
-            </a:r>
-          </a:p>
-          <a:p>
-            <a:pPr algn="ctr"/>
-            <a:r>
-              <a:rPr lang="en-CA" sz="1400" dirty="0" smtClean="0"/>
-              <a:t>27.81 </a:t>
-            </a:r>
-            <a:r>
-              <a:rPr lang="mr-IN" sz="1400" dirty="0" smtClean="0"/>
-              <a:t>–</a:t>
-            </a:r>
-            <a:r>
-              <a:rPr lang="en-CA" sz="1400" dirty="0" smtClean="0"/>
-              <a:t> 30.01</a:t>
-            </a:r>
-            <a:endParaRPr lang="en-US" sz="1400" dirty="0"/>
           </a:p>
         </p:txBody>
       </p:sp>
@@ -4668,7 +4345,7 @@
           <p:cNvPr id="2" name="TextBox 1">
             <a:extLst>
               <a:ext uri="{FF2B5EF4-FFF2-40B4-BE49-F238E27FC236}">
-                <a16:creationId xmlns:a16="http://schemas.microsoft.com/office/drawing/2014/main" xmlns="" id="{F2D3BEE1-D8DC-4C44-9B4B-AD1BE3D5456D}"/>
+                <a16:creationId xmlns:a16="http://schemas.microsoft.com/office/drawing/2014/main" id="{F2D3BEE1-D8DC-4C44-9B4B-AD1BE3D5456D}"/>
               </a:ext>
             </a:extLst>
           </p:cNvPr>
@@ -4692,28 +4369,20 @@
           <a:lstStyle/>
           <a:p>
             <a:r>
-              <a:rPr lang="en-US" dirty="0" smtClean="0"/>
-              <a:t>Science—Extra </a:t>
-            </a:r>
-            <a:r>
               <a:rPr lang="en-US" dirty="0"/>
-              <a:t>time students excluded-larger </a:t>
-            </a:r>
-            <a:r>
-              <a:rPr lang="en-US" dirty="0" smtClean="0"/>
-              <a:t>samples</a:t>
-            </a:r>
-          </a:p>
-          <a:p>
-            <a:r>
-              <a:rPr lang="en-US" dirty="0" smtClean="0"/>
+              <a:t>Science—Extra time students excluded-larger samples</a:t>
+            </a:r>
+          </a:p>
+          <a:p>
+            <a:r>
+              <a:rPr lang="en-US" dirty="0"/>
               <a:t>Removed </a:t>
             </a:r>
             <a:r>
-              <a:rPr lang="en-US" dirty="0" err="1" smtClean="0"/>
+              <a:rPr lang="en-US" dirty="0" err="1"/>
               <a:t>SM_Sz</a:t>
             </a:r>
-            <a:endParaRPr lang="en-US" dirty="0" smtClean="0"/>
+            <a:endParaRPr lang="en-US" dirty="0"/>
           </a:p>
         </p:txBody>
       </p:sp>
@@ -4725,8 +4394,8 @@
         </p:nvSpPr>
         <p:spPr>
           <a:xfrm>
-            <a:off x="2552887" y="5768226"/>
-            <a:ext cx="1175323" cy="954107"/>
+            <a:off x="2625503" y="5768226"/>
+            <a:ext cx="1030090" cy="523220"/>
           </a:xfrm>
           <a:prstGeom prst="rect">
             <a:avLst/>
@@ -4741,43 +4410,20 @@
           <a:p>
             <a:pPr algn="ctr"/>
             <a:r>
-              <a:rPr lang="en-US" sz="1400" dirty="0" err="1" smtClean="0"/>
+              <a:rPr lang="en-US" sz="1400" dirty="0" err="1"/>
               <a:t>Avg</a:t>
             </a:r>
             <a:r>
-              <a:rPr lang="en-US" sz="1400" dirty="0" smtClean="0"/>
+              <a:rPr lang="en-US" sz="1400" dirty="0"/>
               <a:t> = 18.68</a:t>
             </a:r>
           </a:p>
           <a:p>
             <a:pPr algn="ctr"/>
             <a:r>
-              <a:rPr lang="en-US" sz="1400" dirty="0" smtClean="0"/>
+              <a:rPr lang="en-US" sz="1400" dirty="0"/>
               <a:t>SD = 4.04</a:t>
             </a:r>
-          </a:p>
-          <a:p>
-            <a:pPr algn="ctr"/>
-            <a:r>
-              <a:rPr lang="en-US" sz="1400" dirty="0" smtClean="0"/>
-              <a:t>95% CI = </a:t>
-            </a:r>
-          </a:p>
-          <a:p>
-            <a:pPr algn="ctr"/>
-            <a:r>
-              <a:rPr lang="en-CA" sz="1400" dirty="0" smtClean="0"/>
-              <a:t>16.99 </a:t>
-            </a:r>
-            <a:r>
-              <a:rPr lang="mr-IN" sz="1400" dirty="0" smtClean="0"/>
-              <a:t>–</a:t>
-            </a:r>
-            <a:r>
-              <a:rPr lang="en-CA" sz="1400" dirty="0" smtClean="0"/>
-              <a:t> 20.37</a:t>
-            </a:r>
-            <a:endParaRPr lang="en-US" sz="1400" dirty="0"/>
           </a:p>
         </p:txBody>
       </p:sp>
@@ -4789,8 +4435,8 @@
         </p:nvSpPr>
         <p:spPr>
           <a:xfrm>
-            <a:off x="4453438" y="5768226"/>
-            <a:ext cx="1175323" cy="954107"/>
+            <a:off x="4526054" y="5768226"/>
+            <a:ext cx="1030090" cy="523220"/>
           </a:xfrm>
           <a:prstGeom prst="rect">
             <a:avLst/>
@@ -4805,43 +4451,20 @@
           <a:p>
             <a:pPr algn="ctr"/>
             <a:r>
-              <a:rPr lang="en-US" sz="1400" dirty="0" err="1" smtClean="0"/>
+              <a:rPr lang="en-US" sz="1400" dirty="0" err="1"/>
               <a:t>Avg</a:t>
             </a:r>
             <a:r>
-              <a:rPr lang="en-US" sz="1400" dirty="0" smtClean="0"/>
+              <a:rPr lang="en-US" sz="1400" dirty="0"/>
               <a:t> = 21.62</a:t>
             </a:r>
           </a:p>
           <a:p>
             <a:pPr algn="ctr"/>
             <a:r>
-              <a:rPr lang="en-US" sz="1400" dirty="0" smtClean="0"/>
+              <a:rPr lang="en-US" sz="1400" dirty="0"/>
               <a:t>SD = 2.72</a:t>
             </a:r>
-          </a:p>
-          <a:p>
-            <a:pPr algn="ctr"/>
-            <a:r>
-              <a:rPr lang="en-US" sz="1400" dirty="0" smtClean="0"/>
-              <a:t>95% CI = </a:t>
-            </a:r>
-          </a:p>
-          <a:p>
-            <a:pPr algn="ctr"/>
-            <a:r>
-              <a:rPr lang="en-CA" sz="1400" dirty="0" smtClean="0"/>
-              <a:t>20.70 </a:t>
-            </a:r>
-            <a:r>
-              <a:rPr lang="mr-IN" sz="1400" dirty="0" smtClean="0"/>
-              <a:t>–</a:t>
-            </a:r>
-            <a:r>
-              <a:rPr lang="en-CA" sz="1400" dirty="0" smtClean="0"/>
-              <a:t> 22.53</a:t>
-            </a:r>
-            <a:endParaRPr lang="en-US" sz="1400" dirty="0"/>
           </a:p>
         </p:txBody>
       </p:sp>
@@ -4853,8 +4476,8 @@
         </p:nvSpPr>
         <p:spPr>
           <a:xfrm>
-            <a:off x="6353989" y="5768226"/>
-            <a:ext cx="1175323" cy="954107"/>
+            <a:off x="6426605" y="5768226"/>
+            <a:ext cx="1030090" cy="523220"/>
           </a:xfrm>
           <a:prstGeom prst="rect">
             <a:avLst/>
@@ -4869,43 +4492,20 @@
           <a:p>
             <a:pPr algn="ctr"/>
             <a:r>
-              <a:rPr lang="en-US" sz="1400" dirty="0" err="1" smtClean="0"/>
+              <a:rPr lang="en-US" sz="1400" dirty="0" err="1"/>
               <a:t>Avg</a:t>
             </a:r>
             <a:r>
-              <a:rPr lang="en-US" sz="1400" dirty="0" smtClean="0"/>
+              <a:rPr lang="en-US" sz="1400" dirty="0"/>
               <a:t> = 20.83</a:t>
             </a:r>
           </a:p>
           <a:p>
             <a:pPr algn="ctr"/>
             <a:r>
-              <a:rPr lang="en-US" sz="1400" dirty="0" smtClean="0"/>
+              <a:rPr lang="en-US" sz="1400" dirty="0"/>
               <a:t>SD = 3.63</a:t>
             </a:r>
-          </a:p>
-          <a:p>
-            <a:pPr algn="ctr"/>
-            <a:r>
-              <a:rPr lang="en-US" sz="1400" dirty="0" smtClean="0"/>
-              <a:t>95% CI = </a:t>
-            </a:r>
-          </a:p>
-          <a:p>
-            <a:pPr algn="ctr"/>
-            <a:r>
-              <a:rPr lang="en-CA" sz="1400" dirty="0" smtClean="0"/>
-              <a:t>19.62 </a:t>
-            </a:r>
-            <a:r>
-              <a:rPr lang="mr-IN" sz="1400" dirty="0" smtClean="0"/>
-              <a:t>–</a:t>
-            </a:r>
-            <a:r>
-              <a:rPr lang="en-CA" sz="1400" dirty="0" smtClean="0"/>
-              <a:t> 22.03</a:t>
-            </a:r>
-            <a:endParaRPr lang="en-US" sz="1400" dirty="0"/>
           </a:p>
         </p:txBody>
       </p:sp>
@@ -4917,8 +4517,8 @@
         </p:nvSpPr>
         <p:spPr>
           <a:xfrm>
-            <a:off x="8254540" y="5768226"/>
-            <a:ext cx="1175323" cy="954107"/>
+            <a:off x="8327156" y="5768226"/>
+            <a:ext cx="1030090" cy="523220"/>
           </a:xfrm>
           <a:prstGeom prst="rect">
             <a:avLst/>
@@ -4933,43 +4533,20 @@
           <a:p>
             <a:pPr algn="ctr"/>
             <a:r>
-              <a:rPr lang="en-US" sz="1400" dirty="0" err="1" smtClean="0"/>
+              <a:rPr lang="en-US" sz="1400" dirty="0" err="1"/>
               <a:t>Avg</a:t>
             </a:r>
             <a:r>
-              <a:rPr lang="en-US" sz="1400" dirty="0" smtClean="0"/>
+              <a:rPr lang="en-US" sz="1400" dirty="0"/>
               <a:t> = 22.93</a:t>
             </a:r>
           </a:p>
           <a:p>
             <a:pPr algn="ctr"/>
             <a:r>
-              <a:rPr lang="en-US" sz="1400" dirty="0" smtClean="0"/>
+              <a:rPr lang="en-US" sz="1400" dirty="0"/>
               <a:t>SD = 3.06</a:t>
             </a:r>
-          </a:p>
-          <a:p>
-            <a:pPr algn="ctr"/>
-            <a:r>
-              <a:rPr lang="en-US" sz="1400" dirty="0" smtClean="0"/>
-              <a:t>95% CI = </a:t>
-            </a:r>
-          </a:p>
-          <a:p>
-            <a:pPr algn="ctr"/>
-            <a:r>
-              <a:rPr lang="en-CA" sz="1400" dirty="0" smtClean="0"/>
-              <a:t>22.44 </a:t>
-            </a:r>
-            <a:r>
-              <a:rPr lang="mr-IN" sz="1400" dirty="0" smtClean="0"/>
-              <a:t>–</a:t>
-            </a:r>
-            <a:r>
-              <a:rPr lang="en-CA" sz="1400" dirty="0" smtClean="0"/>
-              <a:t> 23.44</a:t>
-            </a:r>
-            <a:endParaRPr lang="en-US" sz="1400" dirty="0"/>
           </a:p>
         </p:txBody>
       </p:sp>
@@ -4981,8 +4558,8 @@
         </p:nvSpPr>
         <p:spPr>
           <a:xfrm>
-            <a:off x="10155092" y="5768226"/>
-            <a:ext cx="1175323" cy="954107"/>
+            <a:off x="10309782" y="5768226"/>
+            <a:ext cx="865943" cy="523220"/>
           </a:xfrm>
           <a:prstGeom prst="rect">
             <a:avLst/>
@@ -4997,43 +4574,20 @@
           <a:p>
             <a:pPr algn="ctr"/>
             <a:r>
-              <a:rPr lang="en-US" sz="1400" dirty="0" err="1" smtClean="0"/>
+              <a:rPr lang="en-US" sz="1400" dirty="0" err="1"/>
               <a:t>Avg</a:t>
             </a:r>
             <a:r>
-              <a:rPr lang="en-US" sz="1400" dirty="0" smtClean="0"/>
+              <a:rPr lang="en-US" sz="1400" dirty="0"/>
               <a:t> = 27</a:t>
             </a:r>
           </a:p>
           <a:p>
             <a:pPr algn="ctr"/>
             <a:r>
-              <a:rPr lang="en-US" sz="1400" dirty="0" smtClean="0"/>
+              <a:rPr lang="en-US" sz="1400" dirty="0"/>
               <a:t>SD = 3.87</a:t>
             </a:r>
-          </a:p>
-          <a:p>
-            <a:pPr algn="ctr"/>
-            <a:r>
-              <a:rPr lang="en-US" sz="1400" dirty="0" smtClean="0"/>
-              <a:t>95% CI = </a:t>
-            </a:r>
-          </a:p>
-          <a:p>
-            <a:pPr algn="ctr"/>
-            <a:r>
-              <a:rPr lang="en-CA" sz="1400" dirty="0" smtClean="0"/>
-              <a:t>25.64 </a:t>
-            </a:r>
-            <a:r>
-              <a:rPr lang="mr-IN" sz="1400" dirty="0" smtClean="0"/>
-              <a:t>–</a:t>
-            </a:r>
-            <a:r>
-              <a:rPr lang="en-CA" sz="1400" dirty="0" smtClean="0"/>
-              <a:t> 28.36</a:t>
-            </a:r>
-            <a:endParaRPr lang="en-US" sz="1400" dirty="0"/>
           </a:p>
         </p:txBody>
       </p:sp>
